--- a/ISN Présentation (Arthur).pptx
+++ b/ISN Présentation (Arthur).pptx
@@ -5227,7 +5227,35 @@
                 </a:uFill>
                 <a:latin typeface="Calibri"/>
               </a:rPr>
-              <a:t>		Ca renvoie que la requête d'amie a été envoyé par " "</a:t>
+              <a:t>		Ca renvoie que la requête </a:t>
+            </a:r>
+            <a:r>
+              <a:rPr lang="en-US" sz="1800" b="0" i="1" strike="noStrike" spc="-1" smtClean="0">
+                <a:solidFill>
+                  <a:srgbClr val="000000"/>
+                </a:solidFill>
+                <a:uFill>
+                  <a:solidFill>
+                    <a:srgbClr val="FFFFFF"/>
+                  </a:solidFill>
+                </a:uFill>
+                <a:latin typeface="Calibri"/>
+              </a:rPr>
+              <a:t>d'ami </a:t>
+            </a:r>
+            <a:r>
+              <a:rPr lang="en-US" sz="1800" b="0" i="1" strike="noStrike" spc="-1">
+                <a:solidFill>
+                  <a:srgbClr val="000000"/>
+                </a:solidFill>
+                <a:uFill>
+                  <a:solidFill>
+                    <a:srgbClr val="FFFFFF"/>
+                  </a:solidFill>
+                </a:uFill>
+                <a:latin typeface="Calibri"/>
+              </a:rPr>
+              <a:t>a été envoyé par " "</a:t>
             </a:r>
             <a:endParaRPr lang="en-US" sz="1800" b="0" strike="noStrike" spc="-1">
               <a:solidFill>
@@ -6597,75 +6625,50 @@
                 </a:uFill>
                 <a:latin typeface="Calibri"/>
               </a:rPr>
-              <a:t>		&lt;form </a:t>
+              <a:t>		</a:t>
+            </a:r>
+            <a:r>
+              <a:rPr lang="en-US" sz="1400" b="0" strike="noStrike" spc="-1" smtClean="0">
+                <a:solidFill>
+                  <a:srgbClr val="000000"/>
+                </a:solidFill>
+                <a:uFill>
+                  <a:solidFill>
+                    <a:srgbClr val="FFFFFF"/>
+                  </a:solidFill>
+                </a:uFill>
+                <a:latin typeface="Calibri"/>
+              </a:rPr>
+              <a:t>&lt;?</a:t>
             </a:r>
             <a:r>
               <a:rPr lang="en-US" sz="1400" b="0" strike="noStrike" spc="-1">
                 <a:solidFill>
-                  <a:srgbClr val="70AD47"/>
-                </a:solidFill>
-                <a:uFill>
-                  <a:solidFill>
-                    <a:srgbClr val="FFFFFF"/>
-                  </a:solidFill>
-                </a:uFill>
-                <a:latin typeface="Calibri"/>
-              </a:rPr>
-              <a:t>class</a:t>
-            </a:r>
-            <a:r>
-              <a:rPr lang="en-US" sz="1400" b="0" strike="noStrike" spc="-1">
-                <a:solidFill>
-                  <a:srgbClr val="000000"/>
-                </a:solidFill>
-                <a:uFill>
-                  <a:solidFill>
-                    <a:srgbClr val="FFFFFF"/>
-                  </a:solidFill>
-                </a:uFill>
-                <a:latin typeface="Calibri"/>
-              </a:rPr>
-              <a:t>="</a:t>
-            </a:r>
-            <a:r>
-              <a:rPr lang="en-US" sz="1400" b="0" strike="noStrike" spc="-1">
-                <a:solidFill>
-                  <a:srgbClr val="FFC000"/>
-                </a:solidFill>
-                <a:uFill>
-                  <a:solidFill>
-                    <a:srgbClr val="FFFFFF"/>
-                  </a:solidFill>
-                </a:uFill>
-                <a:latin typeface="Calibri"/>
-              </a:rPr>
-              <a:t>navbar-form navbar-rig</a:t>
-            </a:r>
-            <a:r>
-              <a:rPr lang="en-US" sz="1400" b="0" strike="noStrike" spc="-1">
-                <a:solidFill>
-                  <a:srgbClr val="000000"/>
-                </a:solidFill>
-                <a:uFill>
-                  <a:solidFill>
-                    <a:srgbClr val="FFFFFF"/>
-                  </a:solidFill>
-                </a:uFill>
-                <a:latin typeface="Calibri"/>
-              </a:rPr>
-              <a:t>ht"&gt;					</a:t>
-            </a:r>
-            <a:endParaRPr lang="en-US" sz="1400" b="0" strike="noStrike" spc="-1">
-              <a:solidFill>
-                <a:srgbClr val="000000"/>
-              </a:solidFill>
-              <a:uFill>
-                <a:solidFill>
-                  <a:srgbClr val="FFFFFF"/>
-                </a:solidFill>
-              </a:uFill>
-              <a:latin typeface="Arial"/>
-            </a:endParaRPr>
+                  <a:srgbClr val="000000"/>
+                </a:solidFill>
+                <a:uFill>
+                  <a:solidFill>
+                    <a:srgbClr val="FFFFFF"/>
+                  </a:solidFill>
+                </a:uFill>
+                <a:latin typeface="Calibri"/>
+              </a:rPr>
+              <a:t>php </a:t>
+            </a:r>
+            <a:r>
+              <a:rPr lang="en-US" sz="1400" b="0" strike="noStrike" spc="-1" smtClean="0">
+                <a:solidFill>
+                  <a:srgbClr val="000000"/>
+                </a:solidFill>
+                <a:uFill>
+                  <a:solidFill>
+                    <a:srgbClr val="FFFFFF"/>
+                  </a:solidFill>
+                </a:uFill>
+                <a:latin typeface="Calibri"/>
+              </a:rPr>
+              <a:t>}</a:t>
+            </a:r>
           </a:p>
           <a:p>
             <a:pPr>
@@ -6674,858 +6677,18 @@
               </a:lnSpc>
             </a:pPr>
             <a:r>
-              <a:rPr lang="en-US" sz="1400" b="0" strike="noStrike" spc="-1">
-                <a:solidFill>
-                  <a:srgbClr val="000000"/>
-                </a:solidFill>
-                <a:uFill>
-                  <a:solidFill>
-                    <a:srgbClr val="FFFFFF"/>
-                  </a:solidFill>
-                </a:uFill>
-                <a:latin typeface="Calibri"/>
-              </a:rPr>
-              <a:t>			&lt;div </a:t>
-            </a:r>
-            <a:r>
-              <a:rPr lang="en-US" sz="1400" b="0" strike="noStrike" spc="-1">
-                <a:solidFill>
-                  <a:srgbClr val="70AD47"/>
-                </a:solidFill>
-                <a:uFill>
-                  <a:solidFill>
-                    <a:srgbClr val="FFFFFF"/>
-                  </a:solidFill>
-                </a:uFill>
-                <a:latin typeface="Calibri"/>
-              </a:rPr>
-              <a:t>class</a:t>
-            </a:r>
-            <a:r>
-              <a:rPr lang="en-US" sz="1400" b="0" strike="noStrike" spc="-1">
-                <a:solidFill>
-                  <a:srgbClr val="000000"/>
-                </a:solidFill>
-                <a:uFill>
-                  <a:solidFill>
-                    <a:srgbClr val="FFFFFF"/>
-                  </a:solidFill>
-                </a:uFill>
-                <a:latin typeface="Calibri"/>
-              </a:rPr>
-              <a:t>="</a:t>
-            </a:r>
-            <a:r>
-              <a:rPr lang="en-US" sz="1400" b="0" strike="noStrike" spc="-1">
-                <a:solidFill>
-                  <a:srgbClr val="FFC000"/>
-                </a:solidFill>
-                <a:uFill>
-                  <a:solidFill>
-                    <a:srgbClr val="FFFFFF"/>
-                  </a:solidFill>
-                </a:uFill>
-                <a:latin typeface="Calibri"/>
-              </a:rPr>
-              <a:t>form-group</a:t>
-            </a:r>
-            <a:r>
-              <a:rPr lang="en-US" sz="1400" b="0" strike="noStrike" spc="-1">
-                <a:solidFill>
-                  <a:srgbClr val="000000"/>
-                </a:solidFill>
-                <a:uFill>
-                  <a:solidFill>
-                    <a:srgbClr val="FFFFFF"/>
-                  </a:solidFill>
-                </a:uFill>
-                <a:latin typeface="Calibri"/>
-              </a:rPr>
-              <a:t>"&gt;						</a:t>
-            </a:r>
-            <a:endParaRPr lang="en-US" sz="1400" b="0" strike="noStrike" spc="-1">
-              <a:solidFill>
-                <a:srgbClr val="000000"/>
-              </a:solidFill>
-              <a:uFill>
-                <a:solidFill>
-                  <a:srgbClr val="FFFFFF"/>
-                </a:solidFill>
-              </a:uFill>
-              <a:latin typeface="Arial"/>
-            </a:endParaRPr>
-          </a:p>
-          <a:p>
-            <a:pPr>
-              <a:lnSpc>
-                <a:spcPct val="100000"/>
-              </a:lnSpc>
-            </a:pPr>
-            <a:r>
-              <a:rPr lang="en-US" sz="1400" b="0" strike="noStrike" spc="-1">
-                <a:solidFill>
-                  <a:srgbClr val="000000"/>
-                </a:solidFill>
-                <a:uFill>
-                  <a:solidFill>
-                    <a:srgbClr val="FFFFFF"/>
-                  </a:solidFill>
-                </a:uFill>
-                <a:latin typeface="Calibri"/>
-              </a:rPr>
-              <a:t>				&lt;div </a:t>
-            </a:r>
-            <a:r>
-              <a:rPr lang="en-US" sz="1400" b="0" strike="noStrike" spc="-1">
-                <a:solidFill>
-                  <a:srgbClr val="70AD47"/>
-                </a:solidFill>
-                <a:uFill>
-                  <a:solidFill>
-                    <a:srgbClr val="FFFFFF"/>
-                  </a:solidFill>
-                </a:uFill>
-                <a:latin typeface="Calibri"/>
-              </a:rPr>
-              <a:t>class</a:t>
-            </a:r>
-            <a:r>
-              <a:rPr lang="en-US" sz="1400" b="0" strike="noStrike" spc="-1">
-                <a:solidFill>
-                  <a:srgbClr val="000000"/>
-                </a:solidFill>
-                <a:uFill>
-                  <a:solidFill>
-                    <a:srgbClr val="FFFFFF"/>
-                  </a:solidFill>
-                </a:uFill>
-                <a:latin typeface="Calibri"/>
-              </a:rPr>
-              <a:t>="</a:t>
-            </a:r>
-            <a:r>
-              <a:rPr lang="en-US" sz="1400" b="0" strike="noStrike" spc="-1">
-                <a:solidFill>
-                  <a:srgbClr val="FFC000"/>
-                </a:solidFill>
-                <a:uFill>
-                  <a:solidFill>
-                    <a:srgbClr val="FFFFFF"/>
-                  </a:solidFill>
-                </a:uFill>
-                <a:latin typeface="Calibri"/>
-              </a:rPr>
-              <a:t>input-group</a:t>
-            </a:r>
-            <a:r>
-              <a:rPr lang="en-US" sz="1400" b="0" strike="noStrike" spc="-1">
-                <a:solidFill>
-                  <a:srgbClr val="000000"/>
-                </a:solidFill>
-                <a:uFill>
-                  <a:solidFill>
-                    <a:srgbClr val="FFFFFF"/>
-                  </a:solidFill>
-                </a:uFill>
-                <a:latin typeface="Calibri"/>
-              </a:rPr>
-              <a:t>"&gt;											&lt;input type="</a:t>
-            </a:r>
-            <a:r>
-              <a:rPr lang="en-US" sz="1400" b="0" strike="noStrike" spc="-1">
-                <a:solidFill>
-                  <a:srgbClr val="FFC000"/>
-                </a:solidFill>
-                <a:uFill>
-                  <a:solidFill>
-                    <a:srgbClr val="FFFFFF"/>
-                  </a:solidFill>
-                </a:uFill>
-                <a:latin typeface="Calibri"/>
-              </a:rPr>
-              <a:t>text</a:t>
-            </a:r>
-            <a:r>
-              <a:rPr lang="en-US" sz="1400" b="0" strike="noStrike" spc="-1">
-                <a:solidFill>
-                  <a:srgbClr val="000000"/>
-                </a:solidFill>
-                <a:uFill>
-                  <a:solidFill>
-                    <a:srgbClr val="FFFFFF"/>
-                  </a:solidFill>
-                </a:uFill>
-                <a:latin typeface="Calibri"/>
-              </a:rPr>
-              <a:t>" </a:t>
-            </a:r>
-            <a:r>
-              <a:rPr lang="en-US" sz="1400" b="0" strike="noStrike" spc="-1">
-                <a:solidFill>
-                  <a:srgbClr val="70AD47"/>
-                </a:solidFill>
-                <a:uFill>
-                  <a:solidFill>
-                    <a:srgbClr val="FFFFFF"/>
-                  </a:solidFill>
-                </a:uFill>
-                <a:latin typeface="Calibri"/>
-              </a:rPr>
-              <a:t>class</a:t>
-            </a:r>
-            <a:r>
-              <a:rPr lang="en-US" sz="1400" b="0" strike="noStrike" spc="-1">
-                <a:solidFill>
-                  <a:srgbClr val="000000"/>
-                </a:solidFill>
-                <a:uFill>
-                  <a:solidFill>
-                    <a:srgbClr val="FFFFFF"/>
-                  </a:solidFill>
-                </a:uFill>
-                <a:latin typeface="Calibri"/>
-              </a:rPr>
-              <a:t>="</a:t>
-            </a:r>
-            <a:r>
-              <a:rPr lang="en-US" sz="1400" b="0" strike="noStrike" spc="-1">
-                <a:solidFill>
-                  <a:srgbClr val="FFC000"/>
-                </a:solidFill>
-                <a:uFill>
-                  <a:solidFill>
-                    <a:srgbClr val="FFFFFF"/>
-                  </a:solidFill>
-                </a:uFill>
-                <a:latin typeface="Calibri"/>
-              </a:rPr>
-              <a:t>form-control</a:t>
-            </a:r>
-            <a:r>
-              <a:rPr lang="en-US" sz="1400" b="0" strike="noStrike" spc="-1">
-                <a:solidFill>
-                  <a:srgbClr val="000000"/>
-                </a:solidFill>
-                <a:uFill>
-                  <a:solidFill>
-                    <a:srgbClr val="FFFFFF"/>
-                  </a:solidFill>
-                </a:uFill>
-                <a:latin typeface="Calibri"/>
-              </a:rPr>
-              <a:t>" </a:t>
-            </a:r>
-            <a:r>
-              <a:rPr lang="en-US" sz="1400" b="0" strike="noStrike" spc="-1">
-                <a:solidFill>
-                  <a:srgbClr val="FF0000"/>
-                </a:solidFill>
-                <a:uFill>
-                  <a:solidFill>
-                    <a:srgbClr val="FFFFFF"/>
-                  </a:solidFill>
-                </a:uFill>
-                <a:latin typeface="Calibri"/>
-              </a:rPr>
-              <a:t>id</a:t>
-            </a:r>
-            <a:r>
-              <a:rPr lang="en-US" sz="1400" b="0" strike="noStrike" spc="-1">
-                <a:solidFill>
-                  <a:srgbClr val="000000"/>
-                </a:solidFill>
-                <a:uFill>
-                  <a:solidFill>
-                    <a:srgbClr val="FFFFFF"/>
-                  </a:solidFill>
-                </a:uFill>
-                <a:latin typeface="Calibri"/>
-              </a:rPr>
-              <a:t>="</a:t>
-            </a:r>
-            <a:r>
-              <a:rPr lang="en-US" sz="1400" b="0" strike="noStrike" spc="-1">
-                <a:solidFill>
-                  <a:srgbClr val="FFC000"/>
-                </a:solidFill>
-                <a:uFill>
-                  <a:solidFill>
-                    <a:srgbClr val="FFFFFF"/>
-                  </a:solidFill>
-                </a:uFill>
-                <a:latin typeface="Calibri"/>
-              </a:rPr>
-              <a:t>search-box</a:t>
-            </a:r>
-            <a:r>
-              <a:rPr lang="en-US" sz="1400" b="0" strike="noStrike" spc="-1">
-                <a:solidFill>
-                  <a:srgbClr val="000000"/>
-                </a:solidFill>
-                <a:uFill>
-                  <a:solidFill>
-                    <a:srgbClr val="FFFFFF"/>
-                  </a:solidFill>
-                </a:uFill>
-                <a:latin typeface="Calibri"/>
-              </a:rPr>
-              <a:t>" placeholder="&lt;?php </a:t>
-            </a:r>
-            <a:r>
-              <a:rPr lang="en-US" sz="1400" b="0" strike="noStrike" spc="-1">
-                <a:solidFill>
-                  <a:srgbClr val="4472C4"/>
-                </a:solidFill>
-                <a:uFill>
-                  <a:solidFill>
-                    <a:srgbClr val="FFFFFF"/>
-                  </a:solidFill>
-                </a:uFill>
-                <a:latin typeface="Calibri"/>
-              </a:rPr>
-              <a:t>echo</a:t>
-            </a:r>
-            <a:r>
-              <a:rPr lang="en-US" sz="1400" b="0" strike="noStrike" spc="-1">
-                <a:solidFill>
-                  <a:srgbClr val="000000"/>
-                </a:solidFill>
-                <a:uFill>
-                  <a:solidFill>
-                    <a:srgbClr val="FFFFFF"/>
-                  </a:solidFill>
-                </a:uFill>
-                <a:latin typeface="Calibri"/>
-              </a:rPr>
-              <a:t> $clauses-&gt;get(</a:t>
-            </a:r>
-            <a:r>
-              <a:rPr lang="en-US" sz="1400" b="0" strike="noStrike" spc="-1">
-                <a:solidFill>
-                  <a:srgbClr val="FFC000"/>
-                </a:solidFill>
-                <a:uFill>
-                  <a:solidFill>
-                    <a:srgbClr val="FFFFFF"/>
-                  </a:solidFill>
-                </a:uFill>
-                <a:latin typeface="Calibri"/>
-              </a:rPr>
-              <a:t>'search_friends_placeholder'</a:t>
-            </a:r>
-            <a:r>
-              <a:rPr lang="en-US" sz="1400" b="0" strike="noStrike" spc="-1">
-                <a:solidFill>
-                  <a:srgbClr val="000000"/>
-                </a:solidFill>
-                <a:uFill>
-                  <a:solidFill>
-                    <a:srgbClr val="FFFFFF"/>
-                  </a:solidFill>
-                </a:uFill>
-                <a:latin typeface="Calibri"/>
-              </a:rPr>
-              <a:t>); ?&gt;"&gt;							</a:t>
-            </a:r>
-            <a:endParaRPr lang="en-US" sz="1400" b="0" strike="noStrike" spc="-1">
-              <a:solidFill>
-                <a:srgbClr val="000000"/>
-              </a:solidFill>
-              <a:uFill>
-                <a:solidFill>
-                  <a:srgbClr val="FFFFFF"/>
-                </a:solidFill>
-              </a:uFill>
-              <a:latin typeface="Arial"/>
-            </a:endParaRPr>
-          </a:p>
-          <a:p>
-            <a:pPr>
-              <a:lnSpc>
-                <a:spcPct val="100000"/>
-              </a:lnSpc>
-            </a:pPr>
-            <a:r>
-              <a:rPr lang="en-US" sz="1400" b="0" strike="noStrike" spc="-1">
-                <a:solidFill>
-                  <a:srgbClr val="000000"/>
-                </a:solidFill>
-                <a:uFill>
-                  <a:solidFill>
-                    <a:srgbClr val="FFFFFF"/>
-                  </a:solidFill>
-                </a:uFill>
-                <a:latin typeface="Calibri"/>
-              </a:rPr>
-              <a:t>				&lt;div </a:t>
-            </a:r>
-            <a:r>
-              <a:rPr lang="en-US" sz="1400" b="0" strike="noStrike" spc="-1">
-                <a:solidFill>
-                  <a:srgbClr val="70AD47"/>
-                </a:solidFill>
-                <a:uFill>
-                  <a:solidFill>
-                    <a:srgbClr val="FFFFFF"/>
-                  </a:solidFill>
-                </a:uFill>
-                <a:latin typeface="Calibri"/>
-              </a:rPr>
-              <a:t>class</a:t>
-            </a:r>
-            <a:r>
-              <a:rPr lang="en-US" sz="1400" b="0" strike="noStrike" spc="-1">
-                <a:solidFill>
-                  <a:srgbClr val="000000"/>
-                </a:solidFill>
-                <a:uFill>
-                  <a:solidFill>
-                    <a:srgbClr val="FFFFFF"/>
-                  </a:solidFill>
-                </a:uFill>
-                <a:latin typeface="Calibri"/>
-              </a:rPr>
-              <a:t>="</a:t>
-            </a:r>
-            <a:r>
-              <a:rPr lang="en-US" sz="1400" b="0" strike="noStrike" spc="-1">
-                <a:solidFill>
-                  <a:srgbClr val="FFC000"/>
-                </a:solidFill>
-                <a:uFill>
-                  <a:solidFill>
-                    <a:srgbClr val="FFFFFF"/>
-                  </a:solidFill>
-                </a:uFill>
-                <a:latin typeface="Calibri"/>
-              </a:rPr>
-              <a:t>input-group-btn</a:t>
-            </a:r>
-            <a:r>
-              <a:rPr lang="en-US" sz="1400" b="0" strike="noStrike" spc="-1">
-                <a:solidFill>
-                  <a:srgbClr val="000000"/>
-                </a:solidFill>
-                <a:uFill>
-                  <a:solidFill>
-                    <a:srgbClr val="FFFFFF"/>
-                  </a:solidFill>
-                </a:uFill>
-                <a:latin typeface="Calibri"/>
-              </a:rPr>
-              <a:t>"&gt;										&lt;button type="</a:t>
-            </a:r>
-            <a:r>
-              <a:rPr lang="en-US" sz="1400" b="0" strike="noStrike" spc="-1">
-                <a:solidFill>
-                  <a:srgbClr val="FFC000"/>
-                </a:solidFill>
-                <a:uFill>
-                  <a:solidFill>
-                    <a:srgbClr val="FFFFFF"/>
-                  </a:solidFill>
-                </a:uFill>
-                <a:latin typeface="Calibri"/>
-              </a:rPr>
-              <a:t>submit</a:t>
-            </a:r>
-            <a:r>
-              <a:rPr lang="en-US" sz="1400" b="0" strike="noStrike" spc="-1">
-                <a:solidFill>
-                  <a:srgbClr val="000000"/>
-                </a:solidFill>
-                <a:uFill>
-                  <a:solidFill>
-                    <a:srgbClr val="FFFFFF"/>
-                  </a:solidFill>
-                </a:uFill>
-                <a:latin typeface="Calibri"/>
-              </a:rPr>
-              <a:t>" </a:t>
-            </a:r>
-            <a:r>
-              <a:rPr lang="en-US" sz="1400" b="0" strike="noStrike" spc="-1">
-                <a:solidFill>
-                  <a:srgbClr val="70AD47"/>
-                </a:solidFill>
-                <a:uFill>
-                  <a:solidFill>
-                    <a:srgbClr val="FFFFFF"/>
-                  </a:solidFill>
-                </a:uFill>
-                <a:latin typeface="Calibri"/>
-              </a:rPr>
-              <a:t>class</a:t>
-            </a:r>
-            <a:r>
-              <a:rPr lang="en-US" sz="1400" b="0" strike="noStrike" spc="-1">
-                <a:solidFill>
-                  <a:srgbClr val="000000"/>
-                </a:solidFill>
-                <a:uFill>
-                  <a:solidFill>
-                    <a:srgbClr val="FFFFFF"/>
-                  </a:solidFill>
-                </a:uFill>
-                <a:latin typeface="Calibri"/>
-              </a:rPr>
-              <a:t>="</a:t>
-            </a:r>
-            <a:r>
-              <a:rPr lang="en-US" sz="1400" b="0" strike="noStrike" spc="-1">
-                <a:solidFill>
-                  <a:srgbClr val="FFC000"/>
-                </a:solidFill>
-                <a:uFill>
-                  <a:solidFill>
-                    <a:srgbClr val="FFFFFF"/>
-                  </a:solidFill>
-                </a:uFill>
-                <a:latin typeface="Calibri"/>
-              </a:rPr>
-              <a:t>btn btn-default</a:t>
-            </a:r>
-            <a:r>
-              <a:rPr lang="en-US" sz="1400" b="0" strike="noStrike" spc="-1">
-                <a:solidFill>
-                  <a:srgbClr val="000000"/>
-                </a:solidFill>
-                <a:uFill>
-                  <a:solidFill>
-                    <a:srgbClr val="FFFFFF"/>
-                  </a:solidFill>
-                </a:uFill>
-                <a:latin typeface="Calibri"/>
-              </a:rPr>
-              <a:t>" title="&lt;?php </a:t>
-            </a:r>
-            <a:r>
-              <a:rPr lang="en-US" sz="1400" b="0" strike="noStrike" spc="-1">
-                <a:solidFill>
-                  <a:srgbClr val="4472C4"/>
-                </a:solidFill>
-                <a:uFill>
-                  <a:solidFill>
-                    <a:srgbClr val="FFFFFF"/>
-                  </a:solidFill>
-                </a:uFill>
-                <a:latin typeface="Calibri"/>
-              </a:rPr>
-              <a:t>echo</a:t>
-            </a:r>
-            <a:r>
-              <a:rPr lang="en-US" sz="1400" b="0" strike="noStrike" spc="-1">
-                <a:solidFill>
-                  <a:srgbClr val="000000"/>
-                </a:solidFill>
-                <a:uFill>
-                  <a:solidFill>
-                    <a:srgbClr val="FFFFFF"/>
-                  </a:solidFill>
-                </a:uFill>
-                <a:latin typeface="Calibri"/>
-              </a:rPr>
-              <a:t> $clauses-&gt;get('</a:t>
-            </a:r>
-            <a:r>
-              <a:rPr lang="en-US" sz="1400" b="0" strike="noStrike" spc="-1">
-                <a:solidFill>
-                  <a:srgbClr val="FFC000"/>
-                </a:solidFill>
-                <a:uFill>
-                  <a:solidFill>
-                    <a:srgbClr val="FFFFFF"/>
-                  </a:solidFill>
-                </a:uFill>
-                <a:latin typeface="Calibri"/>
-              </a:rPr>
-              <a:t>search</a:t>
-            </a:r>
-            <a:r>
-              <a:rPr lang="en-US" sz="1400" b="0" strike="noStrike" spc="-1">
-                <a:solidFill>
-                  <a:srgbClr val="000000"/>
-                </a:solidFill>
-                <a:uFill>
-                  <a:solidFill>
-                    <a:srgbClr val="FFFFFF"/>
-                  </a:solidFill>
-                </a:uFill>
-                <a:latin typeface="Calibri"/>
-              </a:rPr>
-              <a:t>'); ?&gt;"&gt;&lt;span </a:t>
-            </a:r>
-            <a:r>
-              <a:rPr lang="en-US" sz="1400" b="0" strike="noStrike" spc="-1">
-                <a:solidFill>
-                  <a:srgbClr val="70AD47"/>
-                </a:solidFill>
-                <a:uFill>
-                  <a:solidFill>
-                    <a:srgbClr val="FFFFFF"/>
-                  </a:solidFill>
-                </a:uFill>
-                <a:latin typeface="Calibri"/>
-              </a:rPr>
-              <a:t>class</a:t>
-            </a:r>
-            <a:r>
-              <a:rPr lang="en-US" sz="1400" b="0" strike="noStrike" spc="-1">
-                <a:solidFill>
-                  <a:srgbClr val="000000"/>
-                </a:solidFill>
-                <a:uFill>
-                  <a:solidFill>
-                    <a:srgbClr val="FFFFFF"/>
-                  </a:solidFill>
-                </a:uFill>
-                <a:latin typeface="Calibri"/>
-              </a:rPr>
-              <a:t>="</a:t>
-            </a:r>
-            <a:r>
-              <a:rPr lang="en-US" sz="1400" b="0" strike="noStrike" spc="-1">
-                <a:solidFill>
-                  <a:srgbClr val="FFC000"/>
-                </a:solidFill>
-                <a:uFill>
-                  <a:solidFill>
-                    <a:srgbClr val="FFFFFF"/>
-                  </a:solidFill>
-                </a:uFill>
-                <a:latin typeface="Calibri"/>
-              </a:rPr>
-              <a:t>glyphicon glyphicon-search</a:t>
-            </a:r>
-            <a:r>
-              <a:rPr lang="en-US" sz="1400" b="0" strike="noStrike" spc="-1">
-                <a:solidFill>
-                  <a:srgbClr val="000000"/>
-                </a:solidFill>
-                <a:uFill>
-                  <a:solidFill>
-                    <a:srgbClr val="FFFFFF"/>
-                  </a:solidFill>
-                </a:uFill>
-                <a:latin typeface="Calibri"/>
-              </a:rPr>
-              <a:t>"&gt;&lt;/span&gt;&lt;/button&gt;								</a:t>
-            </a:r>
-            <a:endParaRPr lang="en-US" sz="1400" b="0" strike="noStrike" spc="-1">
-              <a:solidFill>
-                <a:srgbClr val="000000"/>
-              </a:solidFill>
-              <a:uFill>
-                <a:solidFill>
-                  <a:srgbClr val="FFFFFF"/>
-                </a:solidFill>
-              </a:uFill>
-              <a:latin typeface="Arial"/>
-            </a:endParaRPr>
-          </a:p>
-          <a:p>
-            <a:pPr>
-              <a:lnSpc>
-                <a:spcPct val="100000"/>
-              </a:lnSpc>
-            </a:pPr>
-            <a:r>
-              <a:rPr lang="en-US" sz="1400" b="0" strike="noStrike" spc="-1">
-                <a:solidFill>
-                  <a:srgbClr val="000000"/>
-                </a:solidFill>
-                <a:uFill>
-                  <a:solidFill>
-                    <a:srgbClr val="FFFFFF"/>
-                  </a:solidFill>
-                </a:uFill>
-                <a:latin typeface="Calibri"/>
-              </a:rPr>
-              <a:t>				&lt;div </a:t>
-            </a:r>
-            <a:r>
-              <a:rPr lang="en-US" sz="1400" b="0" strike="noStrike" spc="-1">
-                <a:solidFill>
-                  <a:srgbClr val="FF0000"/>
-                </a:solidFill>
-                <a:uFill>
-                  <a:solidFill>
-                    <a:srgbClr val="FFFFFF"/>
-                  </a:solidFill>
-                </a:uFill>
-                <a:latin typeface="Calibri"/>
-              </a:rPr>
-              <a:t>id</a:t>
-            </a:r>
-            <a:r>
-              <a:rPr lang="en-US" sz="1400" b="0" strike="noStrike" spc="-1">
-                <a:solidFill>
-                  <a:srgbClr val="000000"/>
-                </a:solidFill>
-                <a:uFill>
-                  <a:solidFill>
-                    <a:srgbClr val="FFFFFF"/>
-                  </a:solidFill>
-                </a:uFill>
-                <a:latin typeface="Calibri"/>
-              </a:rPr>
-              <a:t>="</a:t>
-            </a:r>
-            <a:r>
-              <a:rPr lang="en-US" sz="1400" b="0" strike="noStrike" spc="-1">
-                <a:solidFill>
-                  <a:srgbClr val="FFC000"/>
-                </a:solidFill>
-                <a:uFill>
-                  <a:solidFill>
-                    <a:srgbClr val="FFFFFF"/>
-                  </a:solidFill>
-                </a:uFill>
-                <a:latin typeface="Calibri"/>
-              </a:rPr>
-              <a:t>display-results</a:t>
-            </a:r>
-            <a:r>
-              <a:rPr lang="en-US" sz="1400" b="0" strike="noStrike" spc="-1">
-                <a:solidFill>
-                  <a:srgbClr val="000000"/>
-                </a:solidFill>
-                <a:uFill>
-                  <a:solidFill>
-                    <a:srgbClr val="FFFFFF"/>
-                  </a:solidFill>
-                </a:uFill>
-                <a:latin typeface="Calibri"/>
-              </a:rPr>
-              <a:t>"&gt;&lt;/div&gt;						</a:t>
-            </a:r>
-            <a:endParaRPr lang="en-US" sz="1400" b="0" strike="noStrike" spc="-1">
-              <a:solidFill>
-                <a:srgbClr val="000000"/>
-              </a:solidFill>
-              <a:uFill>
-                <a:solidFill>
-                  <a:srgbClr val="FFFFFF"/>
-                </a:solidFill>
-              </a:uFill>
-              <a:latin typeface="Arial"/>
-            </a:endParaRPr>
-          </a:p>
-          <a:p>
-            <a:pPr>
-              <a:lnSpc>
-                <a:spcPct val="100000"/>
-              </a:lnSpc>
-            </a:pPr>
-            <a:r>
-              <a:rPr lang="en-US" sz="1400" b="0" strike="noStrike" spc="-1">
-                <a:solidFill>
-                  <a:srgbClr val="000000"/>
-                </a:solidFill>
-                <a:uFill>
-                  <a:solidFill>
-                    <a:srgbClr val="FFFFFF"/>
-                  </a:solidFill>
-                </a:uFill>
-                <a:latin typeface="Calibri"/>
-              </a:rPr>
-              <a:t>&lt;/div&gt;						</a:t>
-            </a:r>
-            <a:endParaRPr lang="en-US" sz="1400" b="0" strike="noStrike" spc="-1">
-              <a:solidFill>
-                <a:srgbClr val="000000"/>
-              </a:solidFill>
-              <a:uFill>
-                <a:solidFill>
-                  <a:srgbClr val="FFFFFF"/>
-                </a:solidFill>
-              </a:uFill>
-              <a:latin typeface="Arial"/>
-            </a:endParaRPr>
-          </a:p>
-          <a:p>
-            <a:pPr>
-              <a:lnSpc>
-                <a:spcPct val="100000"/>
-              </a:lnSpc>
-            </a:pPr>
-            <a:r>
-              <a:rPr lang="en-US" sz="1400" b="0" strike="noStrike" spc="-1">
-                <a:solidFill>
-                  <a:srgbClr val="000000"/>
-                </a:solidFill>
-                <a:uFill>
-                  <a:solidFill>
-                    <a:srgbClr val="FFFFFF"/>
-                  </a:solidFill>
-                </a:uFill>
-                <a:latin typeface="Calibri"/>
-              </a:rPr>
-              <a:t>&lt;/div&gt;</a:t>
-            </a:r>
-            <a:endParaRPr lang="en-US" sz="1400" b="0" strike="noStrike" spc="-1">
-              <a:solidFill>
-                <a:srgbClr val="000000"/>
-              </a:solidFill>
-              <a:uFill>
-                <a:solidFill>
-                  <a:srgbClr val="FFFFFF"/>
-                </a:solidFill>
-              </a:uFill>
-              <a:latin typeface="Arial"/>
-            </a:endParaRPr>
-          </a:p>
-          <a:p>
-            <a:pPr>
-              <a:lnSpc>
-                <a:spcPct val="100000"/>
-              </a:lnSpc>
-            </a:pPr>
-            <a:r>
-              <a:rPr lang="en-US" sz="1400" b="0" strike="noStrike" spc="-1">
-                <a:solidFill>
-                  <a:srgbClr val="000000"/>
-                </a:solidFill>
-                <a:uFill>
-                  <a:solidFill>
-                    <a:srgbClr val="FFFFFF"/>
-                  </a:solidFill>
-                </a:uFill>
-                <a:latin typeface="Calibri"/>
-              </a:rPr>
-              <a:t>&lt;/div&gt;				</a:t>
-            </a:r>
-            <a:endParaRPr lang="en-US" sz="1400" b="0" strike="noStrike" spc="-1">
-              <a:solidFill>
-                <a:srgbClr val="000000"/>
-              </a:solidFill>
-              <a:uFill>
-                <a:solidFill>
-                  <a:srgbClr val="FFFFFF"/>
-                </a:solidFill>
-              </a:uFill>
-              <a:latin typeface="Arial"/>
-            </a:endParaRPr>
-          </a:p>
-          <a:p>
-            <a:pPr>
-              <a:lnSpc>
-                <a:spcPct val="100000"/>
-              </a:lnSpc>
-            </a:pPr>
-            <a:r>
-              <a:rPr lang="en-US" sz="1400" b="0" strike="noStrike" spc="-1">
-                <a:solidFill>
-                  <a:srgbClr val="000000"/>
-                </a:solidFill>
-                <a:uFill>
-                  <a:solidFill>
-                    <a:srgbClr val="FFFFFF"/>
-                  </a:solidFill>
-                </a:uFill>
-                <a:latin typeface="Calibri"/>
-              </a:rPr>
-              <a:t>&lt;/form&gt;&lt;?php }?&gt;</a:t>
+              <a:rPr lang="en-US" sz="1400" b="0" strike="noStrike" spc="-1" smtClean="0">
+                <a:solidFill>
+                  <a:srgbClr val="000000"/>
+                </a:solidFill>
+                <a:uFill>
+                  <a:solidFill>
+                    <a:srgbClr val="FFFFFF"/>
+                  </a:solidFill>
+                </a:uFill>
+                <a:latin typeface="Calibri"/>
+              </a:rPr>
+              <a:t>?&gt;</a:t>
             </a:r>
             <a:endParaRPr lang="en-US" sz="1400" b="0" strike="noStrike" spc="-1">
               <a:solidFill>
